--- a/files/03-collaborative-version-control-coderefinery.pptx
+++ b/files/03-collaborative-version-control-coderefinery.pptx
@@ -1795,7 +1795,7 @@
                 <a:latin typeface="Times New Roman"/>
                 <a:ea typeface="DejaVu Sans"/>
               </a:rPr>
-              <a:t>3</a:t>
+              <a:t>2</a:t>
             </a:fld>
             <a:endParaRPr lang="en-US" sz="1400" b="0" strike="noStrike" spc="-1">
               <a:solidFill>
@@ -1919,7 +1919,7 @@
                 <a:latin typeface="Times New Roman"/>
                 <a:ea typeface="DejaVu Sans"/>
               </a:rPr>
-              <a:t>6</a:t>
+              <a:t>3</a:t>
             </a:fld>
             <a:endParaRPr lang="en-US" sz="1400" b="0" strike="noStrike" spc="-1">
               <a:solidFill>
@@ -5175,6 +5175,21 @@
 </file>
 
 <file path=customXml/item1.xml><?xml version="1.0" encoding="utf-8"?>
+<?mso-contentType ?>
+<FormTemplates xmlns="http://schemas.microsoft.com/sharepoint/v3/contenttype/forms">
+  <Display>DocumentLibraryForm</Display>
+  <Edit>DocumentLibraryForm</Edit>
+  <New>DocumentLibraryForm</New>
+</FormTemplates>
+</file>
+
+<file path=customXml/item2.xml><?xml version="1.0" encoding="utf-8"?>
+<p:properties xmlns:p="http://schemas.microsoft.com/office/2006/metadata/properties" xmlns:xsi="http://www.w3.org/2001/XMLSchema-instance" xmlns:pc="http://schemas.microsoft.com/office/infopath/2007/PartnerControls">
+  <documentManagement/>
+</p:properties>
+</file>
+
+<file path=customXml/item3.xml><?xml version="1.0" encoding="utf-8"?>
 <ct:contentTypeSchema xmlns:ct="http://schemas.microsoft.com/office/2006/metadata/contentType" xmlns:ma="http://schemas.microsoft.com/office/2006/metadata/properties/metaAttributes" ct:_="" ma:_="" ma:contentTypeName="Document" ma:contentTypeID="0x01010097164C23EC47024F97AA423E75479F12" ma:contentTypeVersion="12" ma:contentTypeDescription="Create a new document." ma:contentTypeScope="" ma:versionID="ea0d0dfb6e46f2312320539612523867">
   <xsd:schema xmlns:xsd="http://www.w3.org/2001/XMLSchema" xmlns:xs="http://www.w3.org/2001/XMLSchema" xmlns:p="http://schemas.microsoft.com/office/2006/metadata/properties" xmlns:ns2="af34c8a9-9806-44d6-aa44-d772f2793323" xmlns:ns3="26898810-f9b9-406f-8188-8f8f7cdf5520" targetNamespace="http://schemas.microsoft.com/office/2006/metadata/properties" ma:root="true" ma:fieldsID="28749589e96af88b6933ef4143dd2262" ns2:_="" ns3:_="">
     <xsd:import namespace="af34c8a9-9806-44d6-aa44-d772f2793323"/>
@@ -5391,36 +5406,10 @@
 </ct:contentTypeSchema>
 </file>
 
-<file path=customXml/item2.xml><?xml version="1.0" encoding="utf-8"?>
-<p:properties xmlns:p="http://schemas.microsoft.com/office/2006/metadata/properties" xmlns:xsi="http://www.w3.org/2001/XMLSchema-instance" xmlns:pc="http://schemas.microsoft.com/office/infopath/2007/PartnerControls">
-  <documentManagement/>
-</p:properties>
-</file>
-
-<file path=customXml/item3.xml><?xml version="1.0" encoding="utf-8"?>
-<?mso-contentType ?>
-<FormTemplates xmlns="http://schemas.microsoft.com/sharepoint/v3/contenttype/forms">
-  <Display>DocumentLibraryForm</Display>
-  <Edit>DocumentLibraryForm</Edit>
-  <New>DocumentLibraryForm</New>
-</FormTemplates>
-</file>
-
 <file path=customXml/itemProps1.xml><?xml version="1.0" encoding="utf-8"?>
-<ds:datastoreItem xmlns:ds="http://schemas.openxmlformats.org/officeDocument/2006/customXml" ds:itemID="{65FA0901-D354-4154-A373-8A6F900069FE}">
+<ds:datastoreItem xmlns:ds="http://schemas.openxmlformats.org/officeDocument/2006/customXml" ds:itemID="{12DEBCA0-1DF6-4944-85F6-75464EA88D94}">
   <ds:schemaRefs>
-    <ds:schemaRef ds:uri="26898810-f9b9-406f-8188-8f8f7cdf5520"/>
-    <ds:schemaRef ds:uri="af34c8a9-9806-44d6-aa44-d772f2793323"/>
-    <ds:schemaRef ds:uri="http://purl.org/dc/elements/1.1/"/>
-    <ds:schemaRef ds:uri="http://purl.org/dc/terms/"/>
-    <ds:schemaRef ds:uri="http://schemas.microsoft.com/internal/obd"/>
-    <ds:schemaRef ds:uri="http://schemas.microsoft.com/office/2006/documentManagement/types"/>
-    <ds:schemaRef ds:uri="http://schemas.microsoft.com/office/2006/metadata/contentType"/>
-    <ds:schemaRef ds:uri="http://schemas.microsoft.com/office/2006/metadata/properties"/>
-    <ds:schemaRef ds:uri="http://schemas.microsoft.com/office/2006/metadata/properties/metaAttributes"/>
-    <ds:schemaRef ds:uri="http://schemas.microsoft.com/office/infopath/2007/PartnerControls"/>
-    <ds:schemaRef ds:uri="http://schemas.openxmlformats.org/package/2006/metadata/core-properties"/>
-    <ds:schemaRef ds:uri="http://www.w3.org/2001/XMLSchema"/>
+    <ds:schemaRef ds:uri="http://schemas.microsoft.com/sharepoint/v3/contenttype/forms"/>
   </ds:schemaRefs>
 </ds:datastoreItem>
 </file>
@@ -5443,9 +5432,20 @@
 </file>
 
 <file path=customXml/itemProps3.xml><?xml version="1.0" encoding="utf-8"?>
-<ds:datastoreItem xmlns:ds="http://schemas.openxmlformats.org/officeDocument/2006/customXml" ds:itemID="{12DEBCA0-1DF6-4944-85F6-75464EA88D94}">
+<ds:datastoreItem xmlns:ds="http://schemas.openxmlformats.org/officeDocument/2006/customXml" ds:itemID="{65FA0901-D354-4154-A373-8A6F900069FE}">
   <ds:schemaRefs>
-    <ds:schemaRef ds:uri="http://schemas.microsoft.com/sharepoint/v3/contenttype/forms"/>
+    <ds:schemaRef ds:uri="26898810-f9b9-406f-8188-8f8f7cdf5520"/>
+    <ds:schemaRef ds:uri="af34c8a9-9806-44d6-aa44-d772f2793323"/>
+    <ds:schemaRef ds:uri="http://purl.org/dc/elements/1.1/"/>
+    <ds:schemaRef ds:uri="http://purl.org/dc/terms/"/>
+    <ds:schemaRef ds:uri="http://schemas.microsoft.com/internal/obd"/>
+    <ds:schemaRef ds:uri="http://schemas.microsoft.com/office/2006/documentManagement/types"/>
+    <ds:schemaRef ds:uri="http://schemas.microsoft.com/office/2006/metadata/contentType"/>
+    <ds:schemaRef ds:uri="http://schemas.microsoft.com/office/2006/metadata/properties"/>
+    <ds:schemaRef ds:uri="http://schemas.microsoft.com/office/2006/metadata/properties/metaAttributes"/>
+    <ds:schemaRef ds:uri="http://schemas.microsoft.com/office/infopath/2007/PartnerControls"/>
+    <ds:schemaRef ds:uri="http://schemas.openxmlformats.org/package/2006/metadata/core-properties"/>
+    <ds:schemaRef ds:uri="http://www.w3.org/2001/XMLSchema"/>
   </ds:schemaRefs>
 </ds:datastoreItem>
 </file>